--- a/assets/images/studio.pptx
+++ b/assets/images/studio.pptx
@@ -2995,7 +2995,7 @@
         </p:nvGrpSpPr>
         <p:grpSpPr>
           <a:xfrm>
-            <a:off x="16576067" y="11981988"/>
+            <a:off x="18641833" y="5740214"/>
             <a:ext cx="13922734" cy="5367130"/>
             <a:chOff x="16576067" y="11981988"/>
             <a:chExt cx="13922734" cy="5367130"/>
@@ -3950,6 +3950,1531 @@
           </p:txBody>
         </p:sp>
       </p:grpSp>
+      <p:sp>
+        <p:nvSpPr>
+          <p:cNvPr id="19" name="Rectangle 18">
+            <a:extLst>
+              <a:ext uri="{FF2B5EF4-FFF2-40B4-BE49-F238E27FC236}">
+                <a16:creationId xmlns:a16="http://schemas.microsoft.com/office/drawing/2014/main" id="{DC44E017-A289-4828-9502-EAF69423FEB4}"/>
+              </a:ext>
+            </a:extLst>
+          </p:cNvPr>
+          <p:cNvSpPr/>
+          <p:nvPr/>
+        </p:nvSpPr>
+        <p:spPr>
+          <a:xfrm>
+            <a:off x="17358538" y="12441432"/>
+            <a:ext cx="13922734" cy="5367130"/>
+          </a:xfrm>
+          <a:prstGeom prst="rect">
+            <a:avLst/>
+          </a:prstGeom>
+          <a:noFill/>
+          <a:ln>
+            <a:noFill/>
+          </a:ln>
+        </p:spPr>
+        <p:style>
+          <a:lnRef idx="2">
+            <a:schemeClr val="accent1">
+              <a:shade val="50000"/>
+            </a:schemeClr>
+          </a:lnRef>
+          <a:fillRef idx="1">
+            <a:schemeClr val="accent1"/>
+          </a:fillRef>
+          <a:effectRef idx="0">
+            <a:schemeClr val="accent1"/>
+          </a:effectRef>
+          <a:fontRef idx="minor">
+            <a:schemeClr val="lt1"/>
+          </a:fontRef>
+        </p:style>
+        <p:txBody>
+          <a:bodyPr rtlCol="0" anchor="ctr"/>
+          <a:lstStyle/>
+          <a:p>
+            <a:pPr algn="ctr"/>
+            <a:endParaRPr lang="en-US"/>
+          </a:p>
+        </p:txBody>
+      </p:sp>
+      <p:grpSp>
+        <p:nvGrpSpPr>
+          <p:cNvPr id="3" name="Group 2">
+            <a:extLst>
+              <a:ext uri="{FF2B5EF4-FFF2-40B4-BE49-F238E27FC236}">
+                <a16:creationId xmlns:a16="http://schemas.microsoft.com/office/drawing/2014/main" id="{18FC70AF-59D3-4062-B3D7-1A765408E370}"/>
+              </a:ext>
+            </a:extLst>
+          </p:cNvPr>
+          <p:cNvGrpSpPr/>
+          <p:nvPr/>
+        </p:nvGrpSpPr>
+        <p:grpSpPr>
+          <a:xfrm>
+            <a:off x="24021713" y="14225092"/>
+            <a:ext cx="3162974" cy="2837299"/>
+            <a:chOff x="24615947" y="14225092"/>
+            <a:chExt cx="3162974" cy="2837299"/>
+          </a:xfrm>
+        </p:grpSpPr>
+        <p:sp>
+          <p:nvSpPr>
+            <p:cNvPr id="35" name="Rectangle 34">
+              <a:extLst>
+                <a:ext uri="{FF2B5EF4-FFF2-40B4-BE49-F238E27FC236}">
+                  <a16:creationId xmlns:a16="http://schemas.microsoft.com/office/drawing/2014/main" id="{D395BD21-3A30-4432-8697-3920D7064015}"/>
+                </a:ext>
+              </a:extLst>
+            </p:cNvPr>
+            <p:cNvSpPr/>
+            <p:nvPr/>
+          </p:nvSpPr>
+          <p:spPr>
+            <a:xfrm>
+              <a:off x="24713123" y="14225093"/>
+              <a:ext cx="429068" cy="1047307"/>
+            </a:xfrm>
+            <a:prstGeom prst="rect">
+              <a:avLst/>
+            </a:prstGeom>
+            <a:solidFill>
+              <a:srgbClr val="274180"/>
+            </a:solidFill>
+            <a:ln w="38100">
+              <a:noFill/>
+            </a:ln>
+            <a:scene3d>
+              <a:camera prst="orthographicFront"/>
+              <a:lightRig rig="threePt" dir="t"/>
+            </a:scene3d>
+            <a:sp3d>
+              <a:bevelT w="114300" prst="hardEdge"/>
+            </a:sp3d>
+          </p:spPr>
+          <p:style>
+            <a:lnRef idx="2">
+              <a:schemeClr val="accent1">
+                <a:shade val="50000"/>
+              </a:schemeClr>
+            </a:lnRef>
+            <a:fillRef idx="1">
+              <a:schemeClr val="accent1"/>
+            </a:fillRef>
+            <a:effectRef idx="0">
+              <a:schemeClr val="accent1"/>
+            </a:effectRef>
+            <a:fontRef idx="minor">
+              <a:schemeClr val="lt1"/>
+            </a:fontRef>
+          </p:style>
+          <p:txBody>
+            <a:bodyPr rtlCol="0" anchor="ctr"/>
+            <a:lstStyle/>
+            <a:p>
+              <a:pPr algn="ctr"/>
+              <a:endParaRPr lang="en-US"/>
+            </a:p>
+          </p:txBody>
+        </p:sp>
+        <p:sp>
+          <p:nvSpPr>
+            <p:cNvPr id="36" name="Rectangle 35">
+              <a:extLst>
+                <a:ext uri="{FF2B5EF4-FFF2-40B4-BE49-F238E27FC236}">
+                  <a16:creationId xmlns:a16="http://schemas.microsoft.com/office/drawing/2014/main" id="{5703370D-3E52-4085-8C71-330998FC549B}"/>
+                </a:ext>
+              </a:extLst>
+            </p:cNvPr>
+            <p:cNvSpPr/>
+            <p:nvPr/>
+          </p:nvSpPr>
+          <p:spPr>
+            <a:xfrm>
+              <a:off x="25290825" y="14225092"/>
+              <a:ext cx="429068" cy="1047307"/>
+            </a:xfrm>
+            <a:prstGeom prst="rect">
+              <a:avLst/>
+            </a:prstGeom>
+            <a:solidFill>
+              <a:srgbClr val="274180"/>
+            </a:solidFill>
+            <a:ln w="38100">
+              <a:noFill/>
+            </a:ln>
+            <a:scene3d>
+              <a:camera prst="orthographicFront"/>
+              <a:lightRig rig="threePt" dir="t"/>
+            </a:scene3d>
+            <a:sp3d>
+              <a:bevelT w="114300" prst="hardEdge"/>
+            </a:sp3d>
+          </p:spPr>
+          <p:style>
+            <a:lnRef idx="2">
+              <a:schemeClr val="accent1">
+                <a:shade val="50000"/>
+              </a:schemeClr>
+            </a:lnRef>
+            <a:fillRef idx="1">
+              <a:schemeClr val="accent1"/>
+            </a:fillRef>
+            <a:effectRef idx="0">
+              <a:schemeClr val="accent1"/>
+            </a:effectRef>
+            <a:fontRef idx="minor">
+              <a:schemeClr val="lt1"/>
+            </a:fontRef>
+          </p:style>
+          <p:txBody>
+            <a:bodyPr rtlCol="0" anchor="ctr"/>
+            <a:lstStyle/>
+            <a:p>
+              <a:pPr algn="ctr"/>
+              <a:endParaRPr lang="en-US"/>
+            </a:p>
+          </p:txBody>
+        </p:sp>
+        <p:sp>
+          <p:nvSpPr>
+            <p:cNvPr id="37" name="Rectangle: Diagonal Corners Rounded 36">
+              <a:extLst>
+                <a:ext uri="{FF2B5EF4-FFF2-40B4-BE49-F238E27FC236}">
+                  <a16:creationId xmlns:a16="http://schemas.microsoft.com/office/drawing/2014/main" id="{F9A12823-D5F9-4AB4-B7C7-D1E261CFD994}"/>
+                </a:ext>
+              </a:extLst>
+            </p:cNvPr>
+            <p:cNvSpPr/>
+            <p:nvPr/>
+          </p:nvSpPr>
+          <p:spPr>
+            <a:xfrm>
+              <a:off x="25868527" y="14825833"/>
+              <a:ext cx="1029586" cy="446566"/>
+            </a:xfrm>
+            <a:prstGeom prst="round2DiagRect">
+              <a:avLst>
+                <a:gd name="adj1" fmla="val 0"/>
+                <a:gd name="adj2" fmla="val 50000"/>
+              </a:avLst>
+            </a:prstGeom>
+            <a:solidFill>
+              <a:srgbClr val="274180"/>
+            </a:solidFill>
+            <a:ln w="38100">
+              <a:noFill/>
+            </a:ln>
+            <a:scene3d>
+              <a:camera prst="orthographicFront"/>
+              <a:lightRig rig="threePt" dir="t"/>
+            </a:scene3d>
+            <a:sp3d>
+              <a:bevelT w="114300" prst="hardEdge"/>
+            </a:sp3d>
+          </p:spPr>
+          <p:style>
+            <a:lnRef idx="2">
+              <a:schemeClr val="accent1">
+                <a:shade val="50000"/>
+              </a:schemeClr>
+            </a:lnRef>
+            <a:fillRef idx="1">
+              <a:schemeClr val="accent1"/>
+            </a:fillRef>
+            <a:effectRef idx="0">
+              <a:schemeClr val="accent1"/>
+            </a:effectRef>
+            <a:fontRef idx="minor">
+              <a:schemeClr val="lt1"/>
+            </a:fontRef>
+          </p:style>
+          <p:txBody>
+            <a:bodyPr rtlCol="0" anchor="ctr"/>
+            <a:lstStyle/>
+            <a:p>
+              <a:pPr algn="ctr"/>
+              <a:endParaRPr lang="en-US" dirty="0"/>
+            </a:p>
+          </p:txBody>
+        </p:sp>
+        <p:sp>
+          <p:nvSpPr>
+            <p:cNvPr id="38" name="Rectangle: Top Corners Rounded 37">
+              <a:extLst>
+                <a:ext uri="{FF2B5EF4-FFF2-40B4-BE49-F238E27FC236}">
+                  <a16:creationId xmlns:a16="http://schemas.microsoft.com/office/drawing/2014/main" id="{69BD4BA4-DC3B-4DAB-B792-D02EC81BC85A}"/>
+                </a:ext>
+              </a:extLst>
+            </p:cNvPr>
+            <p:cNvSpPr/>
+            <p:nvPr/>
+          </p:nvSpPr>
+          <p:spPr>
+            <a:xfrm rot="5400000">
+              <a:off x="26160037" y="13941210"/>
+              <a:ext cx="446566" cy="1029586"/>
+            </a:xfrm>
+            <a:prstGeom prst="round2SameRect">
+              <a:avLst>
+                <a:gd name="adj1" fmla="val 50000"/>
+                <a:gd name="adj2" fmla="val 0"/>
+              </a:avLst>
+            </a:prstGeom>
+            <a:solidFill>
+              <a:srgbClr val="274180"/>
+            </a:solidFill>
+            <a:ln w="38100">
+              <a:noFill/>
+            </a:ln>
+            <a:scene3d>
+              <a:camera prst="orthographicFront"/>
+              <a:lightRig rig="threePt" dir="t"/>
+            </a:scene3d>
+            <a:sp3d>
+              <a:bevelT w="114300" prst="hardEdge"/>
+            </a:sp3d>
+          </p:spPr>
+          <p:style>
+            <a:lnRef idx="2">
+              <a:schemeClr val="accent1">
+                <a:shade val="50000"/>
+              </a:schemeClr>
+            </a:lnRef>
+            <a:fillRef idx="1">
+              <a:schemeClr val="accent1"/>
+            </a:fillRef>
+            <a:effectRef idx="0">
+              <a:schemeClr val="accent1"/>
+            </a:effectRef>
+            <a:fontRef idx="minor">
+              <a:schemeClr val="lt1"/>
+            </a:fontRef>
+          </p:style>
+          <p:txBody>
+            <a:bodyPr rtlCol="0" anchor="ctr"/>
+            <a:lstStyle/>
+            <a:p>
+              <a:pPr algn="ctr"/>
+              <a:endParaRPr lang="en-US" dirty="0"/>
+            </a:p>
+          </p:txBody>
+        </p:sp>
+        <p:sp>
+          <p:nvSpPr>
+            <p:cNvPr id="39" name="Oval 38">
+              <a:extLst>
+                <a:ext uri="{FF2B5EF4-FFF2-40B4-BE49-F238E27FC236}">
+                  <a16:creationId xmlns:a16="http://schemas.microsoft.com/office/drawing/2014/main" id="{AFECBFA6-BA6C-4943-A972-76175039D0F9}"/>
+                </a:ext>
+              </a:extLst>
+            </p:cNvPr>
+            <p:cNvSpPr/>
+            <p:nvPr/>
+          </p:nvSpPr>
+          <p:spPr>
+            <a:xfrm>
+              <a:off x="27036116" y="14232721"/>
+              <a:ext cx="457200" cy="457200"/>
+            </a:xfrm>
+            <a:prstGeom prst="ellipse">
+              <a:avLst/>
+            </a:prstGeom>
+            <a:solidFill>
+              <a:srgbClr val="CE2531"/>
+            </a:solidFill>
+            <a:ln w="38100">
+              <a:noFill/>
+            </a:ln>
+            <a:scene3d>
+              <a:camera prst="orthographicFront"/>
+              <a:lightRig rig="threePt" dir="t"/>
+            </a:scene3d>
+            <a:sp3d>
+              <a:bevelT w="114300" prst="hardEdge"/>
+            </a:sp3d>
+          </p:spPr>
+          <p:style>
+            <a:lnRef idx="2">
+              <a:schemeClr val="accent1">
+                <a:shade val="50000"/>
+              </a:schemeClr>
+            </a:lnRef>
+            <a:fillRef idx="1">
+              <a:schemeClr val="accent1"/>
+            </a:fillRef>
+            <a:effectRef idx="0">
+              <a:schemeClr val="accent1"/>
+            </a:effectRef>
+            <a:fontRef idx="minor">
+              <a:schemeClr val="lt1"/>
+            </a:fontRef>
+          </p:style>
+          <p:txBody>
+            <a:bodyPr rtlCol="0" anchor="ctr"/>
+            <a:lstStyle/>
+            <a:p>
+              <a:pPr algn="ctr"/>
+              <a:endParaRPr lang="en-US"/>
+            </a:p>
+          </p:txBody>
+        </p:sp>
+        <p:sp>
+          <p:nvSpPr>
+            <p:cNvPr id="41" name="Rectangle 40">
+              <a:extLst>
+                <a:ext uri="{FF2B5EF4-FFF2-40B4-BE49-F238E27FC236}">
+                  <a16:creationId xmlns:a16="http://schemas.microsoft.com/office/drawing/2014/main" id="{F05939CB-555C-4C79-A67E-A092DF372ED7}"/>
+                </a:ext>
+              </a:extLst>
+            </p:cNvPr>
+            <p:cNvSpPr/>
+            <p:nvPr/>
+          </p:nvSpPr>
+          <p:spPr>
+            <a:xfrm>
+              <a:off x="27036116" y="14825833"/>
+              <a:ext cx="457200" cy="446566"/>
+            </a:xfrm>
+            <a:prstGeom prst="rect">
+              <a:avLst/>
+            </a:prstGeom>
+            <a:solidFill>
+              <a:srgbClr val="274180"/>
+            </a:solidFill>
+            <a:ln w="38100">
+              <a:noFill/>
+            </a:ln>
+            <a:scene3d>
+              <a:camera prst="orthographicFront"/>
+              <a:lightRig rig="threePt" dir="t"/>
+            </a:scene3d>
+            <a:sp3d>
+              <a:bevelT w="114300" prst="hardEdge"/>
+            </a:sp3d>
+          </p:spPr>
+          <p:style>
+            <a:lnRef idx="2">
+              <a:schemeClr val="accent1">
+                <a:shade val="50000"/>
+              </a:schemeClr>
+            </a:lnRef>
+            <a:fillRef idx="1">
+              <a:schemeClr val="accent1"/>
+            </a:fillRef>
+            <a:effectRef idx="0">
+              <a:schemeClr val="accent1"/>
+            </a:effectRef>
+            <a:fontRef idx="minor">
+              <a:schemeClr val="lt1"/>
+            </a:fontRef>
+          </p:style>
+          <p:txBody>
+            <a:bodyPr rtlCol="0" anchor="ctr"/>
+            <a:lstStyle/>
+            <a:p>
+              <a:pPr algn="ctr"/>
+              <a:endParaRPr lang="en-US"/>
+            </a:p>
+          </p:txBody>
+        </p:sp>
+        <p:sp>
+          <p:nvSpPr>
+            <p:cNvPr id="42" name="TextBox 41">
+              <a:extLst>
+                <a:ext uri="{FF2B5EF4-FFF2-40B4-BE49-F238E27FC236}">
+                  <a16:creationId xmlns:a16="http://schemas.microsoft.com/office/drawing/2014/main" id="{A1ABDE93-2053-430D-BD6D-CEE8ADA55C5F}"/>
+                </a:ext>
+              </a:extLst>
+            </p:cNvPr>
+            <p:cNvSpPr txBox="1"/>
+            <p:nvPr/>
+          </p:nvSpPr>
+          <p:spPr>
+            <a:xfrm>
+              <a:off x="24615947" y="15044902"/>
+              <a:ext cx="3162974" cy="1862048"/>
+            </a:xfrm>
+            <a:prstGeom prst="rect">
+              <a:avLst/>
+            </a:prstGeom>
+            <a:noFill/>
+          </p:spPr>
+          <p:txBody>
+            <a:bodyPr wrap="square" rtlCol="0">
+              <a:spAutoFit/>
+              <a:scene3d>
+                <a:camera prst="orthographicFront"/>
+                <a:lightRig rig="threePt" dir="t"/>
+              </a:scene3d>
+              <a:sp3d extrusionH="57150">
+                <a:bevelT w="57150" h="38100" prst="hardEdge"/>
+              </a:sp3d>
+            </a:bodyPr>
+            <a:lstStyle/>
+            <a:p>
+              <a:r>
+                <a:rPr lang="en-US" sz="11500" b="1" dirty="0">
+                  <a:ln w="76200">
+                    <a:solidFill>
+                      <a:srgbClr val="274180"/>
+                    </a:solidFill>
+                  </a:ln>
+                  <a:solidFill>
+                    <a:srgbClr val="274180"/>
+                  </a:solidFill>
+                  <a:latin typeface="Tw Cen MT Condensed Extra Bold" panose="020B0803020202020204" pitchFamily="34" charset="0"/>
+                </a:rPr>
+                <a:t>2020</a:t>
+              </a:r>
+            </a:p>
+          </p:txBody>
+        </p:sp>
+        <p:sp>
+          <p:nvSpPr>
+            <p:cNvPr id="43" name="TextBox 42">
+              <a:extLst>
+                <a:ext uri="{FF2B5EF4-FFF2-40B4-BE49-F238E27FC236}">
+                  <a16:creationId xmlns:a16="http://schemas.microsoft.com/office/drawing/2014/main" id="{0D3F4BCF-CC39-4314-9921-B0BA047551E6}"/>
+                </a:ext>
+              </a:extLst>
+            </p:cNvPr>
+            <p:cNvSpPr txBox="1"/>
+            <p:nvPr/>
+          </p:nvSpPr>
+          <p:spPr>
+            <a:xfrm>
+              <a:off x="24735259" y="16600726"/>
+              <a:ext cx="2758057" cy="461665"/>
+            </a:xfrm>
+            <a:prstGeom prst="rect">
+              <a:avLst/>
+            </a:prstGeom>
+            <a:noFill/>
+          </p:spPr>
+          <p:txBody>
+            <a:bodyPr wrap="square" rtlCol="0">
+              <a:spAutoFit/>
+              <a:scene3d>
+                <a:camera prst="orthographicFront"/>
+                <a:lightRig rig="threePt" dir="t"/>
+              </a:scene3d>
+              <a:sp3d extrusionH="57150">
+                <a:bevelT w="50800" h="38100" prst="riblet"/>
+              </a:sp3d>
+            </a:bodyPr>
+            <a:lstStyle/>
+            <a:p>
+              <a:pPr algn="ctr"/>
+              <a:r>
+                <a:rPr lang="en-US" sz="2400" b="1" dirty="0">
+                  <a:ln w="38100">
+                    <a:solidFill>
+                      <a:srgbClr val="274180"/>
+                    </a:solidFill>
+                  </a:ln>
+                  <a:solidFill>
+                    <a:srgbClr val="274180"/>
+                  </a:solidFill>
+                  <a:latin typeface="Century Gothic" panose="020B0502020202020204" pitchFamily="34" charset="0"/>
+                </a:rPr>
+                <a:t>CAMBRIDGE </a:t>
+              </a:r>
+              <a:r>
+                <a:rPr lang="en-US" sz="2400" b="1" dirty="0">
+                  <a:ln w="38100">
+                    <a:solidFill>
+                      <a:srgbClr val="CE2531"/>
+                    </a:solidFill>
+                  </a:ln>
+                  <a:solidFill>
+                    <a:srgbClr val="CE2531"/>
+                  </a:solidFill>
+                  <a:latin typeface="Century Gothic" panose="020B0502020202020204" pitchFamily="34" charset="0"/>
+                </a:rPr>
+                <a:t>•</a:t>
+              </a:r>
+              <a:r>
+                <a:rPr lang="en-US" sz="2400" b="1" dirty="0">
+                  <a:ln w="38100">
+                    <a:solidFill>
+                      <a:srgbClr val="274180"/>
+                    </a:solidFill>
+                  </a:ln>
+                  <a:solidFill>
+                    <a:srgbClr val="274180"/>
+                  </a:solidFill>
+                  <a:latin typeface="Century Gothic" panose="020B0502020202020204" pitchFamily="34" charset="0"/>
+                </a:rPr>
+                <a:t> UK</a:t>
+              </a:r>
+            </a:p>
+          </p:txBody>
+        </p:sp>
+      </p:grpSp>
+      <p:grpSp>
+        <p:nvGrpSpPr>
+          <p:cNvPr id="12" name="Group 11">
+            <a:extLst>
+              <a:ext uri="{FF2B5EF4-FFF2-40B4-BE49-F238E27FC236}">
+                <a16:creationId xmlns:a16="http://schemas.microsoft.com/office/drawing/2014/main" id="{92DA7D53-A9BC-4EE5-AA90-081FEAC0248F}"/>
+              </a:ext>
+            </a:extLst>
+          </p:cNvPr>
+          <p:cNvGrpSpPr/>
+          <p:nvPr/>
+        </p:nvGrpSpPr>
+        <p:grpSpPr>
+          <a:xfrm>
+            <a:off x="21644051" y="19592222"/>
+            <a:ext cx="8857127" cy="5748300"/>
+            <a:chOff x="21644051" y="19592222"/>
+            <a:chExt cx="8857127" cy="5748300"/>
+          </a:xfrm>
+        </p:grpSpPr>
+        <p:grpSp>
+          <p:nvGrpSpPr>
+            <p:cNvPr id="6" name="Group 5">
+              <a:extLst>
+                <a:ext uri="{FF2B5EF4-FFF2-40B4-BE49-F238E27FC236}">
+                  <a16:creationId xmlns:a16="http://schemas.microsoft.com/office/drawing/2014/main" id="{18EADD4F-6A5A-4230-9667-7C1CE895AF05}"/>
+                </a:ext>
+              </a:extLst>
+            </p:cNvPr>
+            <p:cNvGrpSpPr/>
+            <p:nvPr/>
+          </p:nvGrpSpPr>
+          <p:grpSpPr>
+            <a:xfrm>
+              <a:off x="21644051" y="19592222"/>
+              <a:ext cx="8857127" cy="2907958"/>
+              <a:chOff x="21644051" y="19592222"/>
+              <a:chExt cx="8857127" cy="2907958"/>
+            </a:xfrm>
+          </p:grpSpPr>
+          <p:sp>
+            <p:nvSpPr>
+              <p:cNvPr id="44" name="Parallelogram 43">
+                <a:extLst>
+                  <a:ext uri="{FF2B5EF4-FFF2-40B4-BE49-F238E27FC236}">
+                    <a16:creationId xmlns:a16="http://schemas.microsoft.com/office/drawing/2014/main" id="{9AE1C4EB-7EB6-4F10-8B09-41CCCBDD4194}"/>
+                  </a:ext>
+                </a:extLst>
+              </p:cNvPr>
+              <p:cNvSpPr/>
+              <p:nvPr/>
+            </p:nvSpPr>
+            <p:spPr>
+              <a:xfrm flipV="1">
+                <a:off x="21644051" y="19592222"/>
+                <a:ext cx="2496974" cy="2907958"/>
+              </a:xfrm>
+              <a:prstGeom prst="parallelogram">
+                <a:avLst>
+                  <a:gd name="adj" fmla="val 63527"/>
+                </a:avLst>
+              </a:prstGeom>
+              <a:solidFill>
+                <a:srgbClr val="CE2531"/>
+              </a:solidFill>
+              <a:ln w="57150">
+                <a:noFill/>
+              </a:ln>
+              <a:scene3d>
+                <a:camera prst="orthographicFront"/>
+                <a:lightRig rig="threePt" dir="t"/>
+              </a:scene3d>
+              <a:sp3d>
+                <a:bevelT w="196850" prst="angle"/>
+              </a:sp3d>
+            </p:spPr>
+            <p:style>
+              <a:lnRef idx="2">
+                <a:schemeClr val="accent1">
+                  <a:shade val="50000"/>
+                </a:schemeClr>
+              </a:lnRef>
+              <a:fillRef idx="1">
+                <a:schemeClr val="accent1"/>
+              </a:fillRef>
+              <a:effectRef idx="0">
+                <a:schemeClr val="accent1"/>
+              </a:effectRef>
+              <a:fontRef idx="minor">
+                <a:schemeClr val="lt1"/>
+              </a:fontRef>
+            </p:style>
+            <p:txBody>
+              <a:bodyPr rtlCol="0" anchor="ctr"/>
+              <a:lstStyle/>
+              <a:p>
+                <a:pPr algn="ctr"/>
+                <a:endParaRPr lang="en-US" dirty="0">
+                  <a:ln>
+                    <a:solidFill>
+                      <a:schemeClr val="accent2"/>
+                    </a:solidFill>
+                  </a:ln>
+                  <a:solidFill>
+                    <a:srgbClr val="CD2E3A"/>
+                  </a:solidFill>
+                </a:endParaRPr>
+              </a:p>
+            </p:txBody>
+          </p:sp>
+          <p:sp>
+            <p:nvSpPr>
+              <p:cNvPr id="45" name="Parallelogram 44">
+                <a:extLst>
+                  <a:ext uri="{FF2B5EF4-FFF2-40B4-BE49-F238E27FC236}">
+                    <a16:creationId xmlns:a16="http://schemas.microsoft.com/office/drawing/2014/main" id="{BA254893-3731-48BA-951F-4F8D9772A33A}"/>
+                  </a:ext>
+                </a:extLst>
+              </p:cNvPr>
+              <p:cNvSpPr/>
+              <p:nvPr/>
+            </p:nvSpPr>
+            <p:spPr>
+              <a:xfrm flipH="1" flipV="1">
+                <a:off x="23232229" y="19592222"/>
+                <a:ext cx="2496974" cy="2907958"/>
+              </a:xfrm>
+              <a:prstGeom prst="parallelogram">
+                <a:avLst>
+                  <a:gd name="adj" fmla="val 63527"/>
+                </a:avLst>
+              </a:prstGeom>
+              <a:solidFill>
+                <a:srgbClr val="CE2531"/>
+              </a:solidFill>
+              <a:ln w="57150">
+                <a:noFill/>
+              </a:ln>
+              <a:scene3d>
+                <a:camera prst="orthographicFront"/>
+                <a:lightRig rig="threePt" dir="t"/>
+              </a:scene3d>
+              <a:sp3d>
+                <a:bevelT w="196850" prst="angle"/>
+              </a:sp3d>
+            </p:spPr>
+            <p:style>
+              <a:lnRef idx="2">
+                <a:schemeClr val="accent1">
+                  <a:shade val="50000"/>
+                </a:schemeClr>
+              </a:lnRef>
+              <a:fillRef idx="1">
+                <a:schemeClr val="accent1"/>
+              </a:fillRef>
+              <a:effectRef idx="0">
+                <a:schemeClr val="accent1"/>
+              </a:effectRef>
+              <a:fontRef idx="minor">
+                <a:schemeClr val="lt1"/>
+              </a:fontRef>
+            </p:style>
+            <p:txBody>
+              <a:bodyPr rtlCol="0" anchor="ctr"/>
+              <a:lstStyle/>
+              <a:p>
+                <a:pPr algn="ctr"/>
+                <a:endParaRPr lang="en-US" dirty="0">
+                  <a:ln>
+                    <a:solidFill>
+                      <a:schemeClr val="accent2"/>
+                    </a:solidFill>
+                  </a:ln>
+                </a:endParaRPr>
+              </a:p>
+            </p:txBody>
+          </p:sp>
+          <p:sp>
+            <p:nvSpPr>
+              <p:cNvPr id="46" name="Parallelogram 45">
+                <a:extLst>
+                  <a:ext uri="{FF2B5EF4-FFF2-40B4-BE49-F238E27FC236}">
+                    <a16:creationId xmlns:a16="http://schemas.microsoft.com/office/drawing/2014/main" id="{8B30796E-1AB4-426A-A58D-E1A02B14A289}"/>
+                  </a:ext>
+                </a:extLst>
+              </p:cNvPr>
+              <p:cNvSpPr/>
+              <p:nvPr/>
+            </p:nvSpPr>
+            <p:spPr>
+              <a:xfrm flipV="1">
+                <a:off x="24822284" y="19592222"/>
+                <a:ext cx="2496974" cy="2907958"/>
+              </a:xfrm>
+              <a:prstGeom prst="parallelogram">
+                <a:avLst>
+                  <a:gd name="adj" fmla="val 63527"/>
+                </a:avLst>
+              </a:prstGeom>
+              <a:solidFill>
+                <a:srgbClr val="274180"/>
+              </a:solidFill>
+              <a:ln w="57150">
+                <a:noFill/>
+              </a:ln>
+              <a:scene3d>
+                <a:camera prst="orthographicFront"/>
+                <a:lightRig rig="threePt" dir="t"/>
+              </a:scene3d>
+              <a:sp3d>
+                <a:bevelT w="196850" prst="angle"/>
+              </a:sp3d>
+            </p:spPr>
+            <p:style>
+              <a:lnRef idx="2">
+                <a:schemeClr val="accent1">
+                  <a:shade val="50000"/>
+                </a:schemeClr>
+              </a:lnRef>
+              <a:fillRef idx="1">
+                <a:schemeClr val="accent1"/>
+              </a:fillRef>
+              <a:effectRef idx="0">
+                <a:schemeClr val="accent1"/>
+              </a:effectRef>
+              <a:fontRef idx="minor">
+                <a:schemeClr val="lt1"/>
+              </a:fontRef>
+            </p:style>
+            <p:txBody>
+              <a:bodyPr rtlCol="0" anchor="ctr"/>
+              <a:lstStyle/>
+              <a:p>
+                <a:pPr algn="ctr"/>
+                <a:endParaRPr lang="en-US" dirty="0">
+                  <a:ln>
+                    <a:solidFill>
+                      <a:schemeClr val="accent2"/>
+                    </a:solidFill>
+                  </a:ln>
+                </a:endParaRPr>
+              </a:p>
+            </p:txBody>
+          </p:sp>
+          <p:sp>
+            <p:nvSpPr>
+              <p:cNvPr id="47" name="Parallelogram 46">
+                <a:extLst>
+                  <a:ext uri="{FF2B5EF4-FFF2-40B4-BE49-F238E27FC236}">
+                    <a16:creationId xmlns:a16="http://schemas.microsoft.com/office/drawing/2014/main" id="{89661D89-E184-4C41-A4C1-5CD0241C334D}"/>
+                  </a:ext>
+                </a:extLst>
+              </p:cNvPr>
+              <p:cNvSpPr/>
+              <p:nvPr/>
+            </p:nvSpPr>
+            <p:spPr>
+              <a:xfrm flipH="1" flipV="1">
+                <a:off x="26415740" y="19592222"/>
+                <a:ext cx="2496974" cy="2907958"/>
+              </a:xfrm>
+              <a:prstGeom prst="parallelogram">
+                <a:avLst>
+                  <a:gd name="adj" fmla="val 63527"/>
+                </a:avLst>
+              </a:prstGeom>
+              <a:solidFill>
+                <a:srgbClr val="274180"/>
+              </a:solidFill>
+              <a:ln w="57150">
+                <a:noFill/>
+              </a:ln>
+              <a:scene3d>
+                <a:camera prst="orthographicFront"/>
+                <a:lightRig rig="threePt" dir="t"/>
+              </a:scene3d>
+              <a:sp3d>
+                <a:bevelT w="196850" prst="angle"/>
+              </a:sp3d>
+            </p:spPr>
+            <p:style>
+              <a:lnRef idx="2">
+                <a:schemeClr val="accent1">
+                  <a:shade val="50000"/>
+                </a:schemeClr>
+              </a:lnRef>
+              <a:fillRef idx="1">
+                <a:schemeClr val="accent1"/>
+              </a:fillRef>
+              <a:effectRef idx="0">
+                <a:schemeClr val="accent1"/>
+              </a:effectRef>
+              <a:fontRef idx="minor">
+                <a:schemeClr val="lt1"/>
+              </a:fontRef>
+            </p:style>
+            <p:txBody>
+              <a:bodyPr rtlCol="0" anchor="ctr"/>
+              <a:lstStyle/>
+              <a:p>
+                <a:pPr algn="ctr"/>
+                <a:endParaRPr lang="en-US" dirty="0">
+                  <a:ln>
+                    <a:solidFill>
+                      <a:schemeClr val="accent2"/>
+                    </a:solidFill>
+                  </a:ln>
+                </a:endParaRPr>
+              </a:p>
+            </p:txBody>
+          </p:sp>
+          <p:sp>
+            <p:nvSpPr>
+              <p:cNvPr id="48" name="Parallelogram 47">
+                <a:extLst>
+                  <a:ext uri="{FF2B5EF4-FFF2-40B4-BE49-F238E27FC236}">
+                    <a16:creationId xmlns:a16="http://schemas.microsoft.com/office/drawing/2014/main" id="{B37CA5E8-4FF5-4846-923B-D258E7DF5871}"/>
+                  </a:ext>
+                </a:extLst>
+              </p:cNvPr>
+              <p:cNvSpPr/>
+              <p:nvPr/>
+            </p:nvSpPr>
+            <p:spPr>
+              <a:xfrm flipV="1">
+                <a:off x="28004204" y="19592222"/>
+                <a:ext cx="2496974" cy="2907958"/>
+              </a:xfrm>
+              <a:prstGeom prst="parallelogram">
+                <a:avLst>
+                  <a:gd name="adj" fmla="val 63527"/>
+                </a:avLst>
+              </a:prstGeom>
+              <a:solidFill>
+                <a:srgbClr val="CE2531"/>
+              </a:solidFill>
+              <a:ln w="57150">
+                <a:noFill/>
+              </a:ln>
+              <a:scene3d>
+                <a:camera prst="orthographicFront"/>
+                <a:lightRig rig="threePt" dir="t"/>
+              </a:scene3d>
+              <a:sp3d>
+                <a:bevelT w="196850" prst="angle"/>
+              </a:sp3d>
+            </p:spPr>
+            <p:style>
+              <a:lnRef idx="2">
+                <a:schemeClr val="accent1">
+                  <a:shade val="50000"/>
+                </a:schemeClr>
+              </a:lnRef>
+              <a:fillRef idx="1">
+                <a:schemeClr val="accent1"/>
+              </a:fillRef>
+              <a:effectRef idx="0">
+                <a:schemeClr val="accent1"/>
+              </a:effectRef>
+              <a:fontRef idx="minor">
+                <a:schemeClr val="lt1"/>
+              </a:fontRef>
+            </p:style>
+            <p:txBody>
+              <a:bodyPr rtlCol="0" anchor="ctr"/>
+              <a:lstStyle/>
+              <a:p>
+                <a:pPr algn="ctr"/>
+                <a:endParaRPr lang="en-US" dirty="0">
+                  <a:ln>
+                    <a:solidFill>
+                      <a:schemeClr val="accent2"/>
+                    </a:solidFill>
+                  </a:ln>
+                </a:endParaRPr>
+              </a:p>
+            </p:txBody>
+          </p:sp>
+          <p:sp>
+            <p:nvSpPr>
+              <p:cNvPr id="49" name="Parallelogram 48">
+                <a:extLst>
+                  <a:ext uri="{FF2B5EF4-FFF2-40B4-BE49-F238E27FC236}">
+                    <a16:creationId xmlns:a16="http://schemas.microsoft.com/office/drawing/2014/main" id="{A0C79996-B89B-4843-A203-2DB73D7EE5E7}"/>
+                  </a:ext>
+                </a:extLst>
+              </p:cNvPr>
+              <p:cNvSpPr/>
+              <p:nvPr/>
+            </p:nvSpPr>
+            <p:spPr>
+              <a:xfrm rot="7131067" flipV="1">
+                <a:off x="24217078" y="20283541"/>
+                <a:ext cx="1477793" cy="1727079"/>
+              </a:xfrm>
+              <a:prstGeom prst="parallelogram">
+                <a:avLst>
+                  <a:gd name="adj" fmla="val 63527"/>
+                </a:avLst>
+              </a:prstGeom>
+              <a:solidFill>
+                <a:srgbClr val="274180"/>
+              </a:solidFill>
+              <a:ln w="57150">
+                <a:noFill/>
+              </a:ln>
+              <a:scene3d>
+                <a:camera prst="orthographicFront"/>
+                <a:lightRig rig="threePt" dir="t"/>
+              </a:scene3d>
+              <a:sp3d>
+                <a:bevelT w="196850" prst="angle"/>
+              </a:sp3d>
+            </p:spPr>
+            <p:style>
+              <a:lnRef idx="2">
+                <a:schemeClr val="accent1">
+                  <a:shade val="50000"/>
+                </a:schemeClr>
+              </a:lnRef>
+              <a:fillRef idx="1">
+                <a:schemeClr val="accent1"/>
+              </a:fillRef>
+              <a:effectRef idx="0">
+                <a:schemeClr val="accent1"/>
+              </a:effectRef>
+              <a:fontRef idx="minor">
+                <a:schemeClr val="lt1"/>
+              </a:fontRef>
+            </p:style>
+            <p:txBody>
+              <a:bodyPr rtlCol="0" anchor="ctr"/>
+              <a:lstStyle/>
+              <a:p>
+                <a:pPr algn="ctr"/>
+                <a:endParaRPr lang="en-US">
+                  <a:ln>
+                    <a:solidFill>
+                      <a:schemeClr val="accent2"/>
+                    </a:solidFill>
+                  </a:ln>
+                </a:endParaRPr>
+              </a:p>
+            </p:txBody>
+          </p:sp>
+        </p:grpSp>
+        <p:grpSp>
+          <p:nvGrpSpPr>
+            <p:cNvPr id="10" name="Group 9">
+              <a:extLst>
+                <a:ext uri="{FF2B5EF4-FFF2-40B4-BE49-F238E27FC236}">
+                  <a16:creationId xmlns:a16="http://schemas.microsoft.com/office/drawing/2014/main" id="{E2D3C62B-1D30-4D76-9369-375B3350C393}"/>
+                </a:ext>
+              </a:extLst>
+            </p:cNvPr>
+            <p:cNvGrpSpPr/>
+            <p:nvPr/>
+          </p:nvGrpSpPr>
+          <p:grpSpPr>
+            <a:xfrm>
+              <a:off x="23207330" y="23239514"/>
+              <a:ext cx="2780193" cy="1047308"/>
+              <a:chOff x="38941446" y="11988534"/>
+              <a:chExt cx="2780193" cy="1047308"/>
+            </a:xfrm>
+          </p:grpSpPr>
+          <p:sp>
+            <p:nvSpPr>
+              <p:cNvPr id="52" name="Rectangle 51">
+                <a:extLst>
+                  <a:ext uri="{FF2B5EF4-FFF2-40B4-BE49-F238E27FC236}">
+                    <a16:creationId xmlns:a16="http://schemas.microsoft.com/office/drawing/2014/main" id="{2F8AD928-BA1D-46B7-A0DC-91C089A088A1}"/>
+                  </a:ext>
+                </a:extLst>
+              </p:cNvPr>
+              <p:cNvSpPr/>
+              <p:nvPr/>
+            </p:nvSpPr>
+            <p:spPr>
+              <a:xfrm>
+                <a:off x="38941446" y="11988535"/>
+                <a:ext cx="429068" cy="1047307"/>
+              </a:xfrm>
+              <a:prstGeom prst="rect">
+                <a:avLst/>
+              </a:prstGeom>
+              <a:solidFill>
+                <a:srgbClr val="274180"/>
+              </a:solidFill>
+              <a:ln w="38100">
+                <a:noFill/>
+              </a:ln>
+              <a:scene3d>
+                <a:camera prst="orthographicFront"/>
+                <a:lightRig rig="threePt" dir="t"/>
+              </a:scene3d>
+              <a:sp3d>
+                <a:bevelT w="114300" prst="hardEdge"/>
+              </a:sp3d>
+            </p:spPr>
+            <p:style>
+              <a:lnRef idx="2">
+                <a:schemeClr val="accent1">
+                  <a:shade val="50000"/>
+                </a:schemeClr>
+              </a:lnRef>
+              <a:fillRef idx="1">
+                <a:schemeClr val="accent1"/>
+              </a:fillRef>
+              <a:effectRef idx="0">
+                <a:schemeClr val="accent1"/>
+              </a:effectRef>
+              <a:fontRef idx="minor">
+                <a:schemeClr val="lt1"/>
+              </a:fontRef>
+            </p:style>
+            <p:txBody>
+              <a:bodyPr rtlCol="0" anchor="ctr"/>
+              <a:lstStyle/>
+              <a:p>
+                <a:pPr algn="ctr"/>
+                <a:endParaRPr lang="en-US"/>
+              </a:p>
+            </p:txBody>
+          </p:sp>
+          <p:sp>
+            <p:nvSpPr>
+              <p:cNvPr id="53" name="Rectangle 52">
+                <a:extLst>
+                  <a:ext uri="{FF2B5EF4-FFF2-40B4-BE49-F238E27FC236}">
+                    <a16:creationId xmlns:a16="http://schemas.microsoft.com/office/drawing/2014/main" id="{3A222DD0-0E36-461D-841D-43BBAAA0774F}"/>
+                  </a:ext>
+                </a:extLst>
+              </p:cNvPr>
+              <p:cNvSpPr/>
+              <p:nvPr/>
+            </p:nvSpPr>
+            <p:spPr>
+              <a:xfrm>
+                <a:off x="39519148" y="11988534"/>
+                <a:ext cx="429068" cy="1047307"/>
+              </a:xfrm>
+              <a:prstGeom prst="rect">
+                <a:avLst/>
+              </a:prstGeom>
+              <a:solidFill>
+                <a:srgbClr val="274180"/>
+              </a:solidFill>
+              <a:ln w="38100">
+                <a:noFill/>
+              </a:ln>
+              <a:scene3d>
+                <a:camera prst="orthographicFront"/>
+                <a:lightRig rig="threePt" dir="t"/>
+              </a:scene3d>
+              <a:sp3d>
+                <a:bevelT w="114300" prst="hardEdge"/>
+              </a:sp3d>
+            </p:spPr>
+            <p:style>
+              <a:lnRef idx="2">
+                <a:schemeClr val="accent1">
+                  <a:shade val="50000"/>
+                </a:schemeClr>
+              </a:lnRef>
+              <a:fillRef idx="1">
+                <a:schemeClr val="accent1"/>
+              </a:fillRef>
+              <a:effectRef idx="0">
+                <a:schemeClr val="accent1"/>
+              </a:effectRef>
+              <a:fontRef idx="minor">
+                <a:schemeClr val="lt1"/>
+              </a:fontRef>
+            </p:style>
+            <p:txBody>
+              <a:bodyPr rtlCol="0" anchor="ctr"/>
+              <a:lstStyle/>
+              <a:p>
+                <a:pPr algn="ctr"/>
+                <a:endParaRPr lang="en-US"/>
+              </a:p>
+            </p:txBody>
+          </p:sp>
+          <p:sp>
+            <p:nvSpPr>
+              <p:cNvPr id="54" name="Rectangle: Diagonal Corners Rounded 53">
+                <a:extLst>
+                  <a:ext uri="{FF2B5EF4-FFF2-40B4-BE49-F238E27FC236}">
+                    <a16:creationId xmlns:a16="http://schemas.microsoft.com/office/drawing/2014/main" id="{BCE7398A-B907-4362-8429-080E19B95C23}"/>
+                  </a:ext>
+                </a:extLst>
+              </p:cNvPr>
+              <p:cNvSpPr/>
+              <p:nvPr/>
+            </p:nvSpPr>
+            <p:spPr>
+              <a:xfrm>
+                <a:off x="40096850" y="12589275"/>
+                <a:ext cx="1029586" cy="446566"/>
+              </a:xfrm>
+              <a:prstGeom prst="round2DiagRect">
+                <a:avLst>
+                  <a:gd name="adj1" fmla="val 0"/>
+                  <a:gd name="adj2" fmla="val 50000"/>
+                </a:avLst>
+              </a:prstGeom>
+              <a:solidFill>
+                <a:srgbClr val="274180"/>
+              </a:solidFill>
+              <a:ln w="38100">
+                <a:noFill/>
+              </a:ln>
+              <a:scene3d>
+                <a:camera prst="orthographicFront"/>
+                <a:lightRig rig="threePt" dir="t"/>
+              </a:scene3d>
+              <a:sp3d>
+                <a:bevelT w="114300" prst="hardEdge"/>
+              </a:sp3d>
+            </p:spPr>
+            <p:style>
+              <a:lnRef idx="2">
+                <a:schemeClr val="accent1">
+                  <a:shade val="50000"/>
+                </a:schemeClr>
+              </a:lnRef>
+              <a:fillRef idx="1">
+                <a:schemeClr val="accent1"/>
+              </a:fillRef>
+              <a:effectRef idx="0">
+                <a:schemeClr val="accent1"/>
+              </a:effectRef>
+              <a:fontRef idx="minor">
+                <a:schemeClr val="lt1"/>
+              </a:fontRef>
+            </p:style>
+            <p:txBody>
+              <a:bodyPr rtlCol="0" anchor="ctr"/>
+              <a:lstStyle/>
+              <a:p>
+                <a:pPr algn="ctr"/>
+                <a:endParaRPr lang="en-US" dirty="0"/>
+              </a:p>
+            </p:txBody>
+          </p:sp>
+          <p:sp>
+            <p:nvSpPr>
+              <p:cNvPr id="55" name="Rectangle: Top Corners Rounded 54">
+                <a:extLst>
+                  <a:ext uri="{FF2B5EF4-FFF2-40B4-BE49-F238E27FC236}">
+                    <a16:creationId xmlns:a16="http://schemas.microsoft.com/office/drawing/2014/main" id="{2497EBF9-1B3A-4E09-AE7C-58A43C601A27}"/>
+                  </a:ext>
+                </a:extLst>
+              </p:cNvPr>
+              <p:cNvSpPr/>
+              <p:nvPr/>
+            </p:nvSpPr>
+            <p:spPr>
+              <a:xfrm rot="5400000">
+                <a:off x="40388360" y="11704652"/>
+                <a:ext cx="446566" cy="1029586"/>
+              </a:xfrm>
+              <a:prstGeom prst="round2SameRect">
+                <a:avLst>
+                  <a:gd name="adj1" fmla="val 50000"/>
+                  <a:gd name="adj2" fmla="val 0"/>
+                </a:avLst>
+              </a:prstGeom>
+              <a:solidFill>
+                <a:srgbClr val="274180"/>
+              </a:solidFill>
+              <a:ln w="38100">
+                <a:noFill/>
+              </a:ln>
+              <a:scene3d>
+                <a:camera prst="orthographicFront"/>
+                <a:lightRig rig="threePt" dir="t"/>
+              </a:scene3d>
+              <a:sp3d>
+                <a:bevelT w="114300" prst="hardEdge"/>
+              </a:sp3d>
+            </p:spPr>
+            <p:style>
+              <a:lnRef idx="2">
+                <a:schemeClr val="accent1">
+                  <a:shade val="50000"/>
+                </a:schemeClr>
+              </a:lnRef>
+              <a:fillRef idx="1">
+                <a:schemeClr val="accent1"/>
+              </a:fillRef>
+              <a:effectRef idx="0">
+                <a:schemeClr val="accent1"/>
+              </a:effectRef>
+              <a:fontRef idx="minor">
+                <a:schemeClr val="lt1"/>
+              </a:fontRef>
+            </p:style>
+            <p:txBody>
+              <a:bodyPr rtlCol="0" anchor="ctr"/>
+              <a:lstStyle/>
+              <a:p>
+                <a:pPr algn="ctr"/>
+                <a:endParaRPr lang="en-US" dirty="0"/>
+              </a:p>
+            </p:txBody>
+          </p:sp>
+          <p:sp>
+            <p:nvSpPr>
+              <p:cNvPr id="56" name="Oval 55">
+                <a:extLst>
+                  <a:ext uri="{FF2B5EF4-FFF2-40B4-BE49-F238E27FC236}">
+                    <a16:creationId xmlns:a16="http://schemas.microsoft.com/office/drawing/2014/main" id="{EFA09DEC-9236-45AB-A26C-283E7B6D5C7F}"/>
+                  </a:ext>
+                </a:extLst>
+              </p:cNvPr>
+              <p:cNvSpPr/>
+              <p:nvPr/>
+            </p:nvSpPr>
+            <p:spPr>
+              <a:xfrm>
+                <a:off x="41264439" y="11996163"/>
+                <a:ext cx="457200" cy="457200"/>
+              </a:xfrm>
+              <a:prstGeom prst="ellipse">
+                <a:avLst/>
+              </a:prstGeom>
+              <a:solidFill>
+                <a:srgbClr val="CE2531"/>
+              </a:solidFill>
+              <a:ln w="38100">
+                <a:noFill/>
+              </a:ln>
+              <a:scene3d>
+                <a:camera prst="orthographicFront"/>
+                <a:lightRig rig="threePt" dir="t"/>
+              </a:scene3d>
+              <a:sp3d>
+                <a:bevelT w="114300" prst="hardEdge"/>
+              </a:sp3d>
+            </p:spPr>
+            <p:style>
+              <a:lnRef idx="2">
+                <a:schemeClr val="accent1">
+                  <a:shade val="50000"/>
+                </a:schemeClr>
+              </a:lnRef>
+              <a:fillRef idx="1">
+                <a:schemeClr val="accent1"/>
+              </a:fillRef>
+              <a:effectRef idx="0">
+                <a:schemeClr val="accent1"/>
+              </a:effectRef>
+              <a:fontRef idx="minor">
+                <a:schemeClr val="lt1"/>
+              </a:fontRef>
+            </p:style>
+            <p:txBody>
+              <a:bodyPr rtlCol="0" anchor="ctr"/>
+              <a:lstStyle/>
+              <a:p>
+                <a:pPr algn="ctr"/>
+                <a:endParaRPr lang="en-US"/>
+              </a:p>
+            </p:txBody>
+          </p:sp>
+          <p:sp>
+            <p:nvSpPr>
+              <p:cNvPr id="57" name="Rectangle 56">
+                <a:extLst>
+                  <a:ext uri="{FF2B5EF4-FFF2-40B4-BE49-F238E27FC236}">
+                    <a16:creationId xmlns:a16="http://schemas.microsoft.com/office/drawing/2014/main" id="{7E53D642-8DA0-492C-B107-1443B3B74D9E}"/>
+                  </a:ext>
+                </a:extLst>
+              </p:cNvPr>
+              <p:cNvSpPr/>
+              <p:nvPr/>
+            </p:nvSpPr>
+            <p:spPr>
+              <a:xfrm>
+                <a:off x="41264439" y="12589275"/>
+                <a:ext cx="457200" cy="446566"/>
+              </a:xfrm>
+              <a:prstGeom prst="rect">
+                <a:avLst/>
+              </a:prstGeom>
+              <a:solidFill>
+                <a:srgbClr val="274180"/>
+              </a:solidFill>
+              <a:ln w="38100">
+                <a:noFill/>
+              </a:ln>
+              <a:scene3d>
+                <a:camera prst="orthographicFront"/>
+                <a:lightRig rig="threePt" dir="t"/>
+              </a:scene3d>
+              <a:sp3d>
+                <a:bevelT w="114300" prst="hardEdge"/>
+              </a:sp3d>
+            </p:spPr>
+            <p:style>
+              <a:lnRef idx="2">
+                <a:schemeClr val="accent1">
+                  <a:shade val="50000"/>
+                </a:schemeClr>
+              </a:lnRef>
+              <a:fillRef idx="1">
+                <a:schemeClr val="accent1"/>
+              </a:fillRef>
+              <a:effectRef idx="0">
+                <a:schemeClr val="accent1"/>
+              </a:effectRef>
+              <a:fontRef idx="minor">
+                <a:schemeClr val="lt1"/>
+              </a:fontRef>
+            </p:style>
+            <p:txBody>
+              <a:bodyPr rtlCol="0" anchor="ctr"/>
+              <a:lstStyle/>
+              <a:p>
+                <a:pPr algn="ctr"/>
+                <a:endParaRPr lang="en-US"/>
+              </a:p>
+            </p:txBody>
+          </p:sp>
+        </p:grpSp>
+        <p:sp>
+          <p:nvSpPr>
+            <p:cNvPr id="58" name="TextBox 57">
+              <a:extLst>
+                <a:ext uri="{FF2B5EF4-FFF2-40B4-BE49-F238E27FC236}">
+                  <a16:creationId xmlns:a16="http://schemas.microsoft.com/office/drawing/2014/main" id="{9DE9361A-DCDE-4ED2-8284-2809E4CB3E04}"/>
+                </a:ext>
+              </a:extLst>
+            </p:cNvPr>
+            <p:cNvSpPr txBox="1"/>
+            <p:nvPr/>
+          </p:nvSpPr>
+          <p:spPr>
+            <a:xfrm>
+              <a:off x="26344875" y="22832143"/>
+              <a:ext cx="3162974" cy="1862048"/>
+            </a:xfrm>
+            <a:prstGeom prst="rect">
+              <a:avLst/>
+            </a:prstGeom>
+            <a:noFill/>
+          </p:spPr>
+          <p:txBody>
+            <a:bodyPr wrap="square" rtlCol="0">
+              <a:spAutoFit/>
+              <a:scene3d>
+                <a:camera prst="orthographicFront"/>
+                <a:lightRig rig="threePt" dir="t"/>
+              </a:scene3d>
+              <a:sp3d extrusionH="57150">
+                <a:bevelT w="57150" h="38100" prst="hardEdge"/>
+              </a:sp3d>
+            </a:bodyPr>
+            <a:lstStyle/>
+            <a:p>
+              <a:r>
+                <a:rPr lang="en-US" sz="11500" b="1" dirty="0">
+                  <a:ln w="76200">
+                    <a:solidFill>
+                      <a:srgbClr val="274180"/>
+                    </a:solidFill>
+                  </a:ln>
+                  <a:solidFill>
+                    <a:srgbClr val="274180"/>
+                  </a:solidFill>
+                  <a:latin typeface="Tw Cen MT Condensed Extra Bold" panose="020B0803020202020204" pitchFamily="34" charset="0"/>
+                </a:rPr>
+                <a:t>2020</a:t>
+              </a:r>
+            </a:p>
+          </p:txBody>
+        </p:sp>
+        <p:sp>
+          <p:nvSpPr>
+            <p:cNvPr id="59" name="TextBox 58">
+              <a:extLst>
+                <a:ext uri="{FF2B5EF4-FFF2-40B4-BE49-F238E27FC236}">
+                  <a16:creationId xmlns:a16="http://schemas.microsoft.com/office/drawing/2014/main" id="{0A033CCA-8C9C-49B6-BABB-2C0E519E8FC9}"/>
+                </a:ext>
+              </a:extLst>
+            </p:cNvPr>
+            <p:cNvSpPr txBox="1"/>
+            <p:nvPr/>
+          </p:nvSpPr>
+          <p:spPr>
+            <a:xfrm>
+              <a:off x="24131290" y="24694191"/>
+              <a:ext cx="4427170" cy="646331"/>
+            </a:xfrm>
+            <a:prstGeom prst="rect">
+              <a:avLst/>
+            </a:prstGeom>
+            <a:noFill/>
+          </p:spPr>
+          <p:txBody>
+            <a:bodyPr wrap="square" rtlCol="0">
+              <a:spAutoFit/>
+              <a:scene3d>
+                <a:camera prst="orthographicFront"/>
+                <a:lightRig rig="threePt" dir="t"/>
+              </a:scene3d>
+              <a:sp3d extrusionH="57150">
+                <a:bevelT w="50800" h="38100" prst="riblet"/>
+              </a:sp3d>
+            </a:bodyPr>
+            <a:lstStyle/>
+            <a:p>
+              <a:pPr algn="ctr"/>
+              <a:r>
+                <a:rPr lang="en-US" sz="3600" b="1" dirty="0">
+                  <a:ln w="38100">
+                    <a:solidFill>
+                      <a:srgbClr val="274180"/>
+                    </a:solidFill>
+                  </a:ln>
+                  <a:solidFill>
+                    <a:srgbClr val="274180"/>
+                  </a:solidFill>
+                  <a:latin typeface="Century Gothic" panose="020B0502020202020204" pitchFamily="34" charset="0"/>
+                </a:rPr>
+                <a:t>CAMBRIDGE </a:t>
+              </a:r>
+              <a:r>
+                <a:rPr lang="en-US" sz="3600" b="1" dirty="0">
+                  <a:ln w="38100">
+                    <a:solidFill>
+                      <a:srgbClr val="CE2531"/>
+                    </a:solidFill>
+                  </a:ln>
+                  <a:solidFill>
+                    <a:srgbClr val="CE2531"/>
+                  </a:solidFill>
+                  <a:latin typeface="Century Gothic" panose="020B0502020202020204" pitchFamily="34" charset="0"/>
+                </a:rPr>
+                <a:t>•</a:t>
+              </a:r>
+              <a:r>
+                <a:rPr lang="en-US" sz="3600" b="1" dirty="0">
+                  <a:ln w="38100">
+                    <a:solidFill>
+                      <a:srgbClr val="274180"/>
+                    </a:solidFill>
+                  </a:ln>
+                  <a:solidFill>
+                    <a:srgbClr val="274180"/>
+                  </a:solidFill>
+                  <a:latin typeface="Century Gothic" panose="020B0502020202020204" pitchFamily="34" charset="0"/>
+                </a:rPr>
+                <a:t> UK</a:t>
+              </a:r>
+            </a:p>
+          </p:txBody>
+        </p:sp>
+      </p:grpSp>
     </p:spTree>
     <p:extLst>
       <p:ext uri="{BB962C8B-B14F-4D97-AF65-F5344CB8AC3E}">
